--- a/Session1-Introduction_to_DevOps-Infrastructure_as_Code/Presentation-Session1-Intro_to_DevOps-IaC.pptx
+++ b/Session1-Introduction_to_DevOps-Infrastructure_as_Code/Presentation-Session1-Intro_to_DevOps-IaC.pptx
@@ -5,16 +5,17 @@
     <p:sldMasterId id="2147484229" r:id="rId1"/>
   </p:sldMasterIdLst>
   <p:notesMasterIdLst>
-    <p:notesMasterId r:id="rId6"/>
+    <p:notesMasterId r:id="rId7"/>
   </p:notesMasterIdLst>
   <p:handoutMasterIdLst>
-    <p:handoutMasterId r:id="rId7"/>
+    <p:handoutMasterId r:id="rId8"/>
   </p:handoutMasterIdLst>
   <p:sldIdLst>
     <p:sldId id="1526" r:id="rId2"/>
     <p:sldId id="1522" r:id="rId3"/>
     <p:sldId id="1523" r:id="rId4"/>
     <p:sldId id="1513" r:id="rId5"/>
+    <p:sldId id="1527" r:id="rId6"/>
   </p:sldIdLst>
   <p:sldSz cx="12436475" cy="6994525"/>
   <p:notesSz cx="6858000" cy="9144000"/>
@@ -126,6 +127,11 @@
         <p14:section name="Azure Resource Manager" id="{5101AB86-D9F5-450E-85BB-30D2ADC2C8AC}">
           <p14:sldIdLst>
             <p14:sldId id="1513"/>
+          </p14:sldIdLst>
+        </p14:section>
+        <p14:section name="End" id="{4BB45817-0ED7-493B-86F8-84BCFF65CEF8}">
+          <p14:sldIdLst>
+            <p14:sldId id="1527"/>
           </p14:sldIdLst>
         </p14:section>
       </p14:sectionLst>
@@ -246,7 +252,7 @@
               <a:rPr lang="en-US" smtClean="0">
                 <a:latin typeface="Segoe UI" pitchFamily="34" charset="0"/>
               </a:rPr>
-              <a:t>10/7/2016 8:29 AM</a:t>
+              <a:t>10/11/2016 8:44 AM</a:t>
             </a:fld>
             <a:endParaRPr lang="en-US" dirty="0">
               <a:latin typeface="Segoe UI" pitchFamily="34" charset="0"/>
@@ -521,7 +527,7 @@
           <a:p>
             <a:fld id="{38EEC551-8CDA-4EB6-89BB-2A86C9F091C8}" type="datetime8">
               <a:rPr lang="en-US" smtClean="0"/>
-              <a:t>10/7/2016 8:29 AM</a:t>
+              <a:t>10/11/2016 8:44 AM</a:t>
             </a:fld>
             <a:endParaRPr lang="en-US" dirty="0"/>
           </a:p>
@@ -890,7 +896,7 @@
                 </a:solidFill>
               </a:rPr>
               <a:pPr/>
-              <a:t>10/7/2016</a:t>
+              <a:t>10/11/2016</a:t>
             </a:fld>
             <a:endParaRPr lang="en-US" dirty="0">
               <a:solidFill>
@@ -1077,7 +1083,7 @@
               <a:pPr defTabSz="914400">
                 <a:defRPr/>
               </a:pPr>
-              <a:t>10/7/2016</a:t>
+              <a:t>10/11/2016</a:t>
             </a:fld>
             <a:endParaRPr lang="en-US" dirty="0">
               <a:solidFill>
@@ -1215,6 +1221,289 @@
     <p:extLst>
       <p:ext uri="{BB962C8B-B14F-4D97-AF65-F5344CB8AC3E}">
         <p14:creationId xmlns:p14="http://schemas.microsoft.com/office/powerpoint/2010/main" val="2672840977"/>
+      </p:ext>
+    </p:extLst>
+  </p:cSld>
+  <p:clrMapOvr>
+    <a:masterClrMapping/>
+  </p:clrMapOvr>
+</p:notes>
+</file>
+
+<file path=ppt/notesSlides/notesSlide4.xml><?xml version="1.0" encoding="utf-8"?>
+<p:notes xmlns:a="http://schemas.openxmlformats.org/drawingml/2006/main" xmlns:r="http://schemas.openxmlformats.org/officeDocument/2006/relationships" xmlns:p="http://schemas.openxmlformats.org/presentationml/2006/main">
+  <p:cSld>
+    <p:spTree>
+      <p:nvGrpSpPr>
+        <p:cNvPr id="1" name=""/>
+        <p:cNvGrpSpPr/>
+        <p:nvPr/>
+      </p:nvGrpSpPr>
+      <p:grpSpPr>
+        <a:xfrm>
+          <a:off x="0" y="0"/>
+          <a:ext cx="0" cy="0"/>
+          <a:chOff x="0" y="0"/>
+          <a:chExt cx="0" cy="0"/>
+        </a:xfrm>
+      </p:grpSpPr>
+      <p:sp>
+        <p:nvSpPr>
+          <p:cNvPr id="14338" name="Diakép helye 1"/>
+          <p:cNvSpPr>
+            <a:spLocks noGrp="1" noRot="1" noChangeAspect="1" noTextEdit="1"/>
+          </p:cNvSpPr>
+          <p:nvPr>
+            <p:ph type="sldImg"/>
+          </p:nvPr>
+        </p:nvSpPr>
+        <p:spPr bwMode="auto">
+          <a:noFill/>
+          <a:ln>
+            <a:solidFill>
+              <a:srgbClr val="000000"/>
+            </a:solidFill>
+            <a:miter lim="800000"/>
+            <a:headEnd/>
+            <a:tailEnd/>
+          </a:ln>
+          <a:extLst>
+            <a:ext uri="{909E8E84-426E-40DD-AFC4-6F175D3DCCD1}">
+              <a14:hiddenFill xmlns:a14="http://schemas.microsoft.com/office/drawing/2010/main">
+                <a:solidFill>
+                  <a:srgbClr val="FFFFFF"/>
+                </a:solidFill>
+              </a14:hiddenFill>
+            </a:ext>
+          </a:extLst>
+        </p:spPr>
+      </p:sp>
+      <p:sp>
+        <p:nvSpPr>
+          <p:cNvPr id="14339" name="Jegyzetek helye 2"/>
+          <p:cNvSpPr>
+            <a:spLocks noGrp="1"/>
+          </p:cNvSpPr>
+          <p:nvPr>
+            <p:ph type="body" idx="1"/>
+          </p:nvPr>
+        </p:nvSpPr>
+        <p:spPr bwMode="auto">
+          <a:noFill/>
+          <a:extLst>
+            <a:ext uri="{909E8E84-426E-40DD-AFC4-6F175D3DCCD1}">
+              <a14:hiddenFill xmlns:a14="http://schemas.microsoft.com/office/drawing/2010/main">
+                <a:solidFill>
+                  <a:srgbClr val="FFFFFF"/>
+                </a:solidFill>
+              </a14:hiddenFill>
+            </a:ext>
+            <a:ext uri="{91240B29-F687-4F45-9708-019B960494DF}">
+              <a14:hiddenLine xmlns:a14="http://schemas.microsoft.com/office/drawing/2010/main" w="9525">
+                <a:solidFill>
+                  <a:srgbClr val="000000"/>
+                </a:solidFill>
+                <a:miter lim="800000"/>
+                <a:headEnd/>
+                <a:tailEnd/>
+              </a14:hiddenLine>
+            </a:ext>
+          </a:extLst>
+        </p:spPr>
+        <p:txBody>
+          <a:bodyPr/>
+          <a:lstStyle/>
+          <a:p>
+            <a:pPr eaLnBrk="1" hangingPunct="1">
+              <a:spcBef>
+                <a:spcPct val="0"/>
+              </a:spcBef>
+            </a:pPr>
+            <a:endParaRPr lang="en-US" altLang="hu-HU">
+              <a:ea typeface="ＭＳ Ｐゴシック" panose="020B0600070205080204" pitchFamily="34" charset="-128"/>
+            </a:endParaRPr>
+          </a:p>
+        </p:txBody>
+      </p:sp>
+      <p:sp>
+        <p:nvSpPr>
+          <p:cNvPr id="14340" name="Dia számának helye 3"/>
+          <p:cNvSpPr>
+            <a:spLocks noGrp="1"/>
+          </p:cNvSpPr>
+          <p:nvPr>
+            <p:ph type="sldNum" sz="quarter" idx="5"/>
+          </p:nvPr>
+        </p:nvSpPr>
+        <p:spPr bwMode="auto">
+          <a:noFill/>
+          <a:extLst>
+            <a:ext uri="{909E8E84-426E-40DD-AFC4-6F175D3DCCD1}">
+              <a14:hiddenFill xmlns:a14="http://schemas.microsoft.com/office/drawing/2010/main">
+                <a:solidFill>
+                  <a:srgbClr val="FFFFFF"/>
+                </a:solidFill>
+              </a14:hiddenFill>
+            </a:ext>
+            <a:ext uri="{91240B29-F687-4F45-9708-019B960494DF}">
+              <a14:hiddenLine xmlns:a14="http://schemas.microsoft.com/office/drawing/2010/main" w="9525">
+                <a:solidFill>
+                  <a:srgbClr val="000000"/>
+                </a:solidFill>
+                <a:miter lim="800000"/>
+                <a:headEnd/>
+                <a:tailEnd/>
+              </a14:hiddenLine>
+            </a:ext>
+          </a:extLst>
+        </p:spPr>
+        <p:txBody>
+          <a:bodyPr/>
+          <a:lstStyle>
+            <a:lvl1pPr>
+              <a:spcBef>
+                <a:spcPct val="30000"/>
+              </a:spcBef>
+              <a:defRPr sz="1200">
+                <a:solidFill>
+                  <a:schemeClr val="tx1"/>
+                </a:solidFill>
+                <a:latin typeface="Calibri" panose="020F0502020204030204" pitchFamily="34" charset="0"/>
+                <a:ea typeface="ＭＳ Ｐゴシック" panose="020B0600070205080204" pitchFamily="34" charset="-128"/>
+              </a:defRPr>
+            </a:lvl1pPr>
+            <a:lvl2pPr marL="742950" indent="-285750">
+              <a:spcBef>
+                <a:spcPct val="30000"/>
+              </a:spcBef>
+              <a:defRPr sz="1200">
+                <a:solidFill>
+                  <a:schemeClr val="tx1"/>
+                </a:solidFill>
+                <a:latin typeface="Calibri" panose="020F0502020204030204" pitchFamily="34" charset="0"/>
+                <a:ea typeface="ＭＳ Ｐゴシック" panose="020B0600070205080204" pitchFamily="34" charset="-128"/>
+              </a:defRPr>
+            </a:lvl2pPr>
+            <a:lvl3pPr marL="1143000" indent="-228600">
+              <a:spcBef>
+                <a:spcPct val="30000"/>
+              </a:spcBef>
+              <a:defRPr sz="1200">
+                <a:solidFill>
+                  <a:schemeClr val="tx1"/>
+                </a:solidFill>
+                <a:latin typeface="Calibri" panose="020F0502020204030204" pitchFamily="34" charset="0"/>
+                <a:ea typeface="ＭＳ Ｐゴシック" panose="020B0600070205080204" pitchFamily="34" charset="-128"/>
+              </a:defRPr>
+            </a:lvl3pPr>
+            <a:lvl4pPr marL="1600200" indent="-228600">
+              <a:spcBef>
+                <a:spcPct val="30000"/>
+              </a:spcBef>
+              <a:defRPr sz="1200">
+                <a:solidFill>
+                  <a:schemeClr val="tx1"/>
+                </a:solidFill>
+                <a:latin typeface="Calibri" panose="020F0502020204030204" pitchFamily="34" charset="0"/>
+                <a:ea typeface="ＭＳ Ｐゴシック" panose="020B0600070205080204" pitchFamily="34" charset="-128"/>
+              </a:defRPr>
+            </a:lvl4pPr>
+            <a:lvl5pPr marL="2057400" indent="-228600">
+              <a:spcBef>
+                <a:spcPct val="30000"/>
+              </a:spcBef>
+              <a:defRPr sz="1200">
+                <a:solidFill>
+                  <a:schemeClr val="tx1"/>
+                </a:solidFill>
+                <a:latin typeface="Calibri" panose="020F0502020204030204" pitchFamily="34" charset="0"/>
+                <a:ea typeface="ＭＳ Ｐゴシック" panose="020B0600070205080204" pitchFamily="34" charset="-128"/>
+              </a:defRPr>
+            </a:lvl5pPr>
+            <a:lvl6pPr marL="2514600" indent="-228600" eaLnBrk="0" fontAlgn="base" hangingPunct="0">
+              <a:spcBef>
+                <a:spcPct val="30000"/>
+              </a:spcBef>
+              <a:spcAft>
+                <a:spcPct val="0"/>
+              </a:spcAft>
+              <a:defRPr sz="1200">
+                <a:solidFill>
+                  <a:schemeClr val="tx1"/>
+                </a:solidFill>
+                <a:latin typeface="Calibri" panose="020F0502020204030204" pitchFamily="34" charset="0"/>
+                <a:ea typeface="ＭＳ Ｐゴシック" panose="020B0600070205080204" pitchFamily="34" charset="-128"/>
+              </a:defRPr>
+            </a:lvl6pPr>
+            <a:lvl7pPr marL="2971800" indent="-228600" eaLnBrk="0" fontAlgn="base" hangingPunct="0">
+              <a:spcBef>
+                <a:spcPct val="30000"/>
+              </a:spcBef>
+              <a:spcAft>
+                <a:spcPct val="0"/>
+              </a:spcAft>
+              <a:defRPr sz="1200">
+                <a:solidFill>
+                  <a:schemeClr val="tx1"/>
+                </a:solidFill>
+                <a:latin typeface="Calibri" panose="020F0502020204030204" pitchFamily="34" charset="0"/>
+                <a:ea typeface="ＭＳ Ｐゴシック" panose="020B0600070205080204" pitchFamily="34" charset="-128"/>
+              </a:defRPr>
+            </a:lvl7pPr>
+            <a:lvl8pPr marL="3429000" indent="-228600" eaLnBrk="0" fontAlgn="base" hangingPunct="0">
+              <a:spcBef>
+                <a:spcPct val="30000"/>
+              </a:spcBef>
+              <a:spcAft>
+                <a:spcPct val="0"/>
+              </a:spcAft>
+              <a:defRPr sz="1200">
+                <a:solidFill>
+                  <a:schemeClr val="tx1"/>
+                </a:solidFill>
+                <a:latin typeface="Calibri" panose="020F0502020204030204" pitchFamily="34" charset="0"/>
+                <a:ea typeface="ＭＳ Ｐゴシック" panose="020B0600070205080204" pitchFamily="34" charset="-128"/>
+              </a:defRPr>
+            </a:lvl8pPr>
+            <a:lvl9pPr marL="3886200" indent="-228600" eaLnBrk="0" fontAlgn="base" hangingPunct="0">
+              <a:spcBef>
+                <a:spcPct val="30000"/>
+              </a:spcBef>
+              <a:spcAft>
+                <a:spcPct val="0"/>
+              </a:spcAft>
+              <a:defRPr sz="1200">
+                <a:solidFill>
+                  <a:schemeClr val="tx1"/>
+                </a:solidFill>
+                <a:latin typeface="Calibri" panose="020F0502020204030204" pitchFamily="34" charset="0"/>
+                <a:ea typeface="ＭＳ Ｐゴシック" panose="020B0600070205080204" pitchFamily="34" charset="-128"/>
+              </a:defRPr>
+            </a:lvl9pPr>
+          </a:lstStyle>
+          <a:p>
+            <a:pPr>
+              <a:spcBef>
+                <a:spcPct val="0"/>
+              </a:spcBef>
+            </a:pPr>
+            <a:fld id="{D4136665-7F62-440F-91E6-EA84D32F76FA}" type="slidenum">
+              <a:rPr lang="hu-HU" altLang="hu-HU"/>
+              <a:pPr>
+                <a:spcBef>
+                  <a:spcPct val="0"/>
+                </a:spcBef>
+              </a:pPr>
+              <a:t>5</a:t>
+            </a:fld>
+            <a:endParaRPr lang="hu-HU" altLang="hu-HU"/>
+          </a:p>
+        </p:txBody>
+      </p:sp>
+    </p:spTree>
+    <p:extLst>
+      <p:ext uri="{BB962C8B-B14F-4D97-AF65-F5344CB8AC3E}">
+        <p14:creationId xmlns:p14="http://schemas.microsoft.com/office/powerpoint/2010/main" val="4212316513"/>
       </p:ext>
     </p:extLst>
   </p:cSld>
@@ -2452,6 +2741,219 @@
   <p:transition>
     <p:fade/>
   </p:transition>
+</p:sldLayout>
+</file>
+
+<file path=ppt/slideLayouts/slideLayout20.xml><?xml version="1.0" encoding="utf-8"?>
+<p:sldLayout xmlns:a="http://schemas.openxmlformats.org/drawingml/2006/main" xmlns:r="http://schemas.openxmlformats.org/officeDocument/2006/relationships" xmlns:p="http://schemas.openxmlformats.org/presentationml/2006/main" type="obj">
+  <p:cSld name="Cím és tartalom">
+    <p:spTree>
+      <p:nvGrpSpPr>
+        <p:cNvPr id="1" name=""/>
+        <p:cNvGrpSpPr/>
+        <p:nvPr/>
+      </p:nvGrpSpPr>
+      <p:grpSpPr>
+        <a:xfrm>
+          <a:off x="0" y="0"/>
+          <a:ext cx="0" cy="0"/>
+          <a:chOff x="0" y="0"/>
+          <a:chExt cx="0" cy="0"/>
+        </a:xfrm>
+      </p:grpSpPr>
+      <p:pic>
+        <p:nvPicPr>
+          <p:cNvPr id="4" name="Kép 6" descr="Kép1_vonal.png"/>
+          <p:cNvPicPr>
+            <a:picLocks noChangeAspect="1"/>
+          </p:cNvPicPr>
+          <p:nvPr userDrawn="1"/>
+        </p:nvPicPr>
+        <p:blipFill>
+          <a:blip r:embed="rId2">
+            <a:extLst>
+              <a:ext uri="{28A0092B-C50C-407E-A947-70E740481C1C}">
+                <a14:useLocalDpi xmlns:a14="http://schemas.microsoft.com/office/drawing/2010/main" val="0"/>
+              </a:ext>
+            </a:extLst>
+          </a:blip>
+          <a:srcRect/>
+          <a:stretch>
+            <a:fillRect/>
+          </a:stretch>
+        </p:blipFill>
+        <p:spPr bwMode="auto">
+          <a:xfrm>
+            <a:off x="669324" y="1312553"/>
+            <a:ext cx="3895035" cy="157593"/>
+          </a:xfrm>
+          <a:prstGeom prst="rect">
+            <a:avLst/>
+          </a:prstGeom>
+          <a:noFill/>
+          <a:ln>
+            <a:noFill/>
+          </a:ln>
+          <a:extLst>
+            <a:ext uri="{909E8E84-426E-40DD-AFC4-6F175D3DCCD1}">
+              <a14:hiddenFill xmlns:a14="http://schemas.microsoft.com/office/drawing/2010/main">
+                <a:solidFill>
+                  <a:srgbClr val="FFFFFF"/>
+                </a:solidFill>
+              </a14:hiddenFill>
+            </a:ext>
+            <a:ext uri="{91240B29-F687-4F45-9708-019B960494DF}">
+              <a14:hiddenLine xmlns:a14="http://schemas.microsoft.com/office/drawing/2010/main" w="9525">
+                <a:solidFill>
+                  <a:srgbClr val="000000"/>
+                </a:solidFill>
+                <a:miter lim="800000"/>
+                <a:headEnd/>
+                <a:tailEnd/>
+              </a14:hiddenLine>
+            </a:ext>
+          </a:extLst>
+        </p:spPr>
+      </p:pic>
+      <p:sp>
+        <p:nvSpPr>
+          <p:cNvPr id="2" name="Cím 1"/>
+          <p:cNvSpPr>
+            <a:spLocks noGrp="1"/>
+          </p:cNvSpPr>
+          <p:nvPr>
+            <p:ph type="title"/>
+          </p:nvPr>
+        </p:nvSpPr>
+        <p:spPr/>
+        <p:txBody>
+          <a:bodyPr/>
+          <a:lstStyle>
+            <a:lvl1pPr algn="l">
+              <a:defRPr>
+                <a:solidFill>
+                  <a:schemeClr val="tx1">
+                    <a:lumMod val="95000"/>
+                  </a:schemeClr>
+                </a:solidFill>
+              </a:defRPr>
+            </a:lvl1pPr>
+          </a:lstStyle>
+          <a:p>
+            <a:r>
+              <a:rPr lang="hu-HU" dirty="0"/>
+              <a:t>Mintacím szerkesztése</a:t>
+            </a:r>
+          </a:p>
+        </p:txBody>
+      </p:sp>
+      <p:sp>
+        <p:nvSpPr>
+          <p:cNvPr id="3" name="Tartalom helye 2"/>
+          <p:cNvSpPr>
+            <a:spLocks noGrp="1"/>
+          </p:cNvSpPr>
+          <p:nvPr>
+            <p:ph idx="1"/>
+          </p:nvPr>
+        </p:nvSpPr>
+        <p:spPr/>
+        <p:txBody>
+          <a:bodyPr/>
+          <a:lstStyle>
+            <a:lvl1pPr>
+              <a:defRPr>
+                <a:solidFill>
+                  <a:schemeClr val="tx1">
+                    <a:lumMod val="95000"/>
+                  </a:schemeClr>
+                </a:solidFill>
+              </a:defRPr>
+            </a:lvl1pPr>
+            <a:lvl2pPr>
+              <a:defRPr>
+                <a:solidFill>
+                  <a:schemeClr val="tx1">
+                    <a:lumMod val="95000"/>
+                  </a:schemeClr>
+                </a:solidFill>
+              </a:defRPr>
+            </a:lvl2pPr>
+            <a:lvl3pPr>
+              <a:defRPr>
+                <a:solidFill>
+                  <a:schemeClr val="tx1">
+                    <a:lumMod val="95000"/>
+                  </a:schemeClr>
+                </a:solidFill>
+              </a:defRPr>
+            </a:lvl3pPr>
+            <a:lvl4pPr>
+              <a:defRPr>
+                <a:solidFill>
+                  <a:schemeClr val="tx1">
+                    <a:lumMod val="95000"/>
+                  </a:schemeClr>
+                </a:solidFill>
+              </a:defRPr>
+            </a:lvl4pPr>
+            <a:lvl5pPr>
+              <a:defRPr>
+                <a:solidFill>
+                  <a:schemeClr val="tx1">
+                    <a:lumMod val="95000"/>
+                  </a:schemeClr>
+                </a:solidFill>
+              </a:defRPr>
+            </a:lvl5pPr>
+          </a:lstStyle>
+          <a:p>
+            <a:pPr lvl="0"/>
+            <a:r>
+              <a:rPr lang="hu-HU" dirty="0"/>
+              <a:t>Mintaszöveg szerkesztése</a:t>
+            </a:r>
+          </a:p>
+          <a:p>
+            <a:pPr lvl="1"/>
+            <a:r>
+              <a:rPr lang="hu-HU" dirty="0"/>
+              <a:t>Második szint</a:t>
+            </a:r>
+          </a:p>
+          <a:p>
+            <a:pPr lvl="2"/>
+            <a:r>
+              <a:rPr lang="hu-HU" dirty="0"/>
+              <a:t>Harmadik szint</a:t>
+            </a:r>
+          </a:p>
+          <a:p>
+            <a:pPr lvl="3"/>
+            <a:r>
+              <a:rPr lang="hu-HU" dirty="0"/>
+              <a:t>Negyedik szint</a:t>
+            </a:r>
+          </a:p>
+          <a:p>
+            <a:pPr lvl="4"/>
+            <a:r>
+              <a:rPr lang="hu-HU" dirty="0"/>
+              <a:t>Ötödik szint</a:t>
+            </a:r>
+          </a:p>
+        </p:txBody>
+      </p:sp>
+    </p:spTree>
+    <p:extLst>
+      <p:ext uri="{BB962C8B-B14F-4D97-AF65-F5344CB8AC3E}">
+        <p14:creationId xmlns:p14="http://schemas.microsoft.com/office/powerpoint/2010/main" val="2110625568"/>
+      </p:ext>
+    </p:extLst>
+  </p:cSld>
+  <p:clrMapOvr>
+    <a:masterClrMapping/>
+  </p:clrMapOvr>
 </p:sldLayout>
 </file>
 
@@ -3888,7 +4390,7 @@
           <p:nvPr userDrawn="1"/>
         </p:nvPicPr>
         <p:blipFill>
-          <a:blip r:embed="rId21"/>
+          <a:blip r:embed="rId22"/>
           <a:stretch>
             <a:fillRect/>
           </a:stretch>
@@ -3931,6 +4433,7 @@
     <p:sldLayoutId id="2147484259" r:id="rId17"/>
     <p:sldLayoutId id="2147484260" r:id="rId18"/>
     <p:sldLayoutId id="2147484279" r:id="rId19"/>
+    <p:sldLayoutId id="2147484280" r:id="rId20"/>
   </p:sldLayoutIdLst>
   <p:transition>
     <p:fade/>
@@ -23592,6 +24095,313 @@
 </p:sld>
 </file>
 
+<file path=ppt/slides/slide5.xml><?xml version="1.0" encoding="utf-8"?>
+<p:sld xmlns:a="http://schemas.openxmlformats.org/drawingml/2006/main" xmlns:r="http://schemas.openxmlformats.org/officeDocument/2006/relationships" xmlns:p="http://schemas.openxmlformats.org/presentationml/2006/main">
+  <p:cSld>
+    <p:spTree>
+      <p:nvGrpSpPr>
+        <p:cNvPr id="1" name=""/>
+        <p:cNvGrpSpPr/>
+        <p:nvPr/>
+      </p:nvGrpSpPr>
+      <p:grpSpPr>
+        <a:xfrm>
+          <a:off x="0" y="0"/>
+          <a:ext cx="0" cy="0"/>
+          <a:chOff x="0" y="0"/>
+          <a:chExt cx="0" cy="0"/>
+        </a:xfrm>
+      </p:grpSpPr>
+      <p:pic>
+        <p:nvPicPr>
+          <p:cNvPr id="13314" name="Picture 1" descr="EH 2015 PPT template6.jpg"/>
+          <p:cNvPicPr>
+            <a:picLocks noChangeAspect="1"/>
+          </p:cNvPicPr>
+          <p:nvPr/>
+        </p:nvPicPr>
+        <p:blipFill>
+          <a:blip r:embed="rId3">
+            <a:extLst>
+              <a:ext uri="{28A0092B-C50C-407E-A947-70E740481C1C}">
+                <a14:useLocalDpi xmlns:a14="http://schemas.microsoft.com/office/drawing/2010/main" val="0"/>
+              </a:ext>
+            </a:extLst>
+          </a:blip>
+          <a:srcRect/>
+          <a:stretch>
+            <a:fillRect/>
+          </a:stretch>
+        </p:blipFill>
+        <p:spPr bwMode="auto">
+          <a:xfrm>
+            <a:off x="882" y="-1"/>
+            <a:ext cx="12430394" cy="6994525"/>
+          </a:xfrm>
+          <a:prstGeom prst="rect">
+            <a:avLst/>
+          </a:prstGeom>
+          <a:noFill/>
+          <a:ln>
+            <a:noFill/>
+          </a:ln>
+          <a:extLst>
+            <a:ext uri="{909E8E84-426E-40DD-AFC4-6F175D3DCCD1}">
+              <a14:hiddenFill xmlns:a14="http://schemas.microsoft.com/office/drawing/2010/main">
+                <a:solidFill>
+                  <a:srgbClr val="FFFFFF"/>
+                </a:solidFill>
+              </a14:hiddenFill>
+            </a:ext>
+            <a:ext uri="{91240B29-F687-4F45-9708-019B960494DF}">
+              <a14:hiddenLine xmlns:a14="http://schemas.microsoft.com/office/drawing/2010/main" w="9525">
+                <a:solidFill>
+                  <a:srgbClr val="000000"/>
+                </a:solidFill>
+                <a:miter lim="800000"/>
+                <a:headEnd/>
+                <a:tailEnd/>
+              </a14:hiddenLine>
+            </a:ext>
+          </a:extLst>
+        </p:spPr>
+      </p:pic>
+      <p:pic>
+        <p:nvPicPr>
+          <p:cNvPr id="13315" name="Picture 1"/>
+          <p:cNvPicPr>
+            <a:picLocks noChangeAspect="1"/>
+          </p:cNvPicPr>
+          <p:nvPr/>
+        </p:nvPicPr>
+        <p:blipFill>
+          <a:blip r:embed="rId4">
+            <a:extLst>
+              <a:ext uri="{28A0092B-C50C-407E-A947-70E740481C1C}">
+                <a14:useLocalDpi xmlns:a14="http://schemas.microsoft.com/office/drawing/2010/main" val="0"/>
+              </a:ext>
+            </a:extLst>
+          </a:blip>
+          <a:srcRect/>
+          <a:stretch>
+            <a:fillRect/>
+          </a:stretch>
+        </p:blipFill>
+        <p:spPr bwMode="auto">
+          <a:xfrm>
+            <a:off x="3865141" y="1245631"/>
+            <a:ext cx="4701875" cy="4699716"/>
+          </a:xfrm>
+          <a:prstGeom prst="rect">
+            <a:avLst/>
+          </a:prstGeom>
+          <a:noFill/>
+          <a:ln>
+            <a:noFill/>
+          </a:ln>
+          <a:extLst>
+            <a:ext uri="{909E8E84-426E-40DD-AFC4-6F175D3DCCD1}">
+              <a14:hiddenFill xmlns:a14="http://schemas.microsoft.com/office/drawing/2010/main">
+                <a:solidFill>
+                  <a:srgbClr val="FFFFFF"/>
+                </a:solidFill>
+              </a14:hiddenFill>
+            </a:ext>
+            <a:ext uri="{91240B29-F687-4F45-9708-019B960494DF}">
+              <a14:hiddenLine xmlns:a14="http://schemas.microsoft.com/office/drawing/2010/main" w="9525">
+                <a:solidFill>
+                  <a:srgbClr val="000000"/>
+                </a:solidFill>
+                <a:miter lim="800000"/>
+                <a:headEnd/>
+                <a:tailEnd/>
+              </a14:hiddenLine>
+            </a:ext>
+          </a:extLst>
+        </p:spPr>
+      </p:pic>
+      <p:sp>
+        <p:nvSpPr>
+          <p:cNvPr id="13316" name="Rectangle 2"/>
+          <p:cNvSpPr>
+            <a:spLocks noChangeArrowheads="1"/>
+          </p:cNvSpPr>
+          <p:nvPr/>
+        </p:nvSpPr>
+        <p:spPr bwMode="auto">
+          <a:xfrm>
+            <a:off x="3221817" y="420967"/>
+            <a:ext cx="6022803" cy="762068"/>
+          </a:xfrm>
+          <a:prstGeom prst="rect">
+            <a:avLst/>
+          </a:prstGeom>
+          <a:noFill/>
+          <a:ln>
+            <a:noFill/>
+          </a:ln>
+          <a:extLst>
+            <a:ext uri="{909E8E84-426E-40DD-AFC4-6F175D3DCCD1}">
+              <a14:hiddenFill xmlns:a14="http://schemas.microsoft.com/office/drawing/2010/main">
+                <a:solidFill>
+                  <a:srgbClr val="FFFFFF"/>
+                </a:solidFill>
+              </a14:hiddenFill>
+            </a:ext>
+            <a:ext uri="{91240B29-F687-4F45-9708-019B960494DF}">
+              <a14:hiddenLine xmlns:a14="http://schemas.microsoft.com/office/drawing/2010/main" w="9525">
+                <a:solidFill>
+                  <a:srgbClr val="000000"/>
+                </a:solidFill>
+                <a:miter lim="800000"/>
+                <a:headEnd/>
+                <a:tailEnd/>
+              </a14:hiddenLine>
+            </a:ext>
+          </a:extLst>
+        </p:spPr>
+        <p:txBody>
+          <a:bodyPr wrap="none">
+            <a:spAutoFit/>
+          </a:bodyPr>
+          <a:lstStyle>
+            <a:lvl1pPr>
+              <a:defRPr>
+                <a:solidFill>
+                  <a:schemeClr val="tx1"/>
+                </a:solidFill>
+                <a:latin typeface="Arial" panose="020B0604020202020204" pitchFamily="34" charset="0"/>
+                <a:ea typeface="ＭＳ Ｐゴシック" panose="020B0600070205080204" pitchFamily="34" charset="-128"/>
+              </a:defRPr>
+            </a:lvl1pPr>
+            <a:lvl2pPr marL="742950" indent="-285750">
+              <a:defRPr>
+                <a:solidFill>
+                  <a:schemeClr val="tx1"/>
+                </a:solidFill>
+                <a:latin typeface="Arial" panose="020B0604020202020204" pitchFamily="34" charset="0"/>
+                <a:ea typeface="ＭＳ Ｐゴシック" panose="020B0600070205080204" pitchFamily="34" charset="-128"/>
+              </a:defRPr>
+            </a:lvl2pPr>
+            <a:lvl3pPr marL="1143000" indent="-228600">
+              <a:defRPr>
+                <a:solidFill>
+                  <a:schemeClr val="tx1"/>
+                </a:solidFill>
+                <a:latin typeface="Arial" panose="020B0604020202020204" pitchFamily="34" charset="0"/>
+                <a:ea typeface="ＭＳ Ｐゴシック" panose="020B0600070205080204" pitchFamily="34" charset="-128"/>
+              </a:defRPr>
+            </a:lvl3pPr>
+            <a:lvl4pPr marL="1600200" indent="-228600">
+              <a:defRPr>
+                <a:solidFill>
+                  <a:schemeClr val="tx1"/>
+                </a:solidFill>
+                <a:latin typeface="Arial" panose="020B0604020202020204" pitchFamily="34" charset="0"/>
+                <a:ea typeface="ＭＳ Ｐゴシック" panose="020B0600070205080204" pitchFamily="34" charset="-128"/>
+              </a:defRPr>
+            </a:lvl4pPr>
+            <a:lvl5pPr marL="2057400" indent="-228600">
+              <a:defRPr>
+                <a:solidFill>
+                  <a:schemeClr val="tx1"/>
+                </a:solidFill>
+                <a:latin typeface="Arial" panose="020B0604020202020204" pitchFamily="34" charset="0"/>
+                <a:ea typeface="ＭＳ Ｐゴシック" panose="020B0600070205080204" pitchFamily="34" charset="-128"/>
+              </a:defRPr>
+            </a:lvl5pPr>
+            <a:lvl6pPr marL="2514600" indent="-228600" eaLnBrk="0" fontAlgn="base" hangingPunct="0">
+              <a:spcBef>
+                <a:spcPct val="0"/>
+              </a:spcBef>
+              <a:spcAft>
+                <a:spcPct val="0"/>
+              </a:spcAft>
+              <a:defRPr>
+                <a:solidFill>
+                  <a:schemeClr val="tx1"/>
+                </a:solidFill>
+                <a:latin typeface="Arial" panose="020B0604020202020204" pitchFamily="34" charset="0"/>
+                <a:ea typeface="ＭＳ Ｐゴシック" panose="020B0600070205080204" pitchFamily="34" charset="-128"/>
+              </a:defRPr>
+            </a:lvl6pPr>
+            <a:lvl7pPr marL="2971800" indent="-228600" eaLnBrk="0" fontAlgn="base" hangingPunct="0">
+              <a:spcBef>
+                <a:spcPct val="0"/>
+              </a:spcBef>
+              <a:spcAft>
+                <a:spcPct val="0"/>
+              </a:spcAft>
+              <a:defRPr>
+                <a:solidFill>
+                  <a:schemeClr val="tx1"/>
+                </a:solidFill>
+                <a:latin typeface="Arial" panose="020B0604020202020204" pitchFamily="34" charset="0"/>
+                <a:ea typeface="ＭＳ Ｐゴシック" panose="020B0600070205080204" pitchFamily="34" charset="-128"/>
+              </a:defRPr>
+            </a:lvl7pPr>
+            <a:lvl8pPr marL="3429000" indent="-228600" eaLnBrk="0" fontAlgn="base" hangingPunct="0">
+              <a:spcBef>
+                <a:spcPct val="0"/>
+              </a:spcBef>
+              <a:spcAft>
+                <a:spcPct val="0"/>
+              </a:spcAft>
+              <a:defRPr>
+                <a:solidFill>
+                  <a:schemeClr val="tx1"/>
+                </a:solidFill>
+                <a:latin typeface="Arial" panose="020B0604020202020204" pitchFamily="34" charset="0"/>
+                <a:ea typeface="ＭＳ Ｐゴシック" panose="020B0600070205080204" pitchFamily="34" charset="-128"/>
+              </a:defRPr>
+            </a:lvl8pPr>
+            <a:lvl9pPr marL="3886200" indent="-228600" eaLnBrk="0" fontAlgn="base" hangingPunct="0">
+              <a:spcBef>
+                <a:spcPct val="0"/>
+              </a:spcBef>
+              <a:spcAft>
+                <a:spcPct val="0"/>
+              </a:spcAft>
+              <a:defRPr>
+                <a:solidFill>
+                  <a:schemeClr val="tx1"/>
+                </a:solidFill>
+                <a:latin typeface="Arial" panose="020B0604020202020204" pitchFamily="34" charset="0"/>
+                <a:ea typeface="ＭＳ Ｐゴシック" panose="020B0600070205080204" pitchFamily="34" charset="-128"/>
+              </a:defRPr>
+            </a:lvl9pPr>
+          </a:lstStyle>
+          <a:p>
+            <a:pPr eaLnBrk="1" hangingPunct="1"/>
+            <a:r>
+              <a:rPr lang="hu-HU" altLang="hu-HU" sz="4352" u="sng">
+                <a:solidFill>
+                  <a:srgbClr val="0563C1"/>
+                </a:solidFill>
+                <a:latin typeface="Segoe UI Black" panose="020B0A02040204020203" pitchFamily="34" charset="0"/>
+                <a:hlinkClick r:id="rId5"/>
+              </a:rPr>
+              <a:t>http://spoke.at/FHLJ</a:t>
+            </a:r>
+            <a:endParaRPr lang="hu-HU" altLang="hu-HU" sz="4352">
+              <a:latin typeface="Segoe UI Black" panose="020B0A02040204020203" pitchFamily="34" charset="0"/>
+            </a:endParaRPr>
+          </a:p>
+        </p:txBody>
+      </p:sp>
+    </p:spTree>
+    <p:extLst>
+      <p:ext uri="{BB962C8B-B14F-4D97-AF65-F5344CB8AC3E}">
+        <p14:creationId xmlns:p14="http://schemas.microsoft.com/office/powerpoint/2010/main" val="2584421502"/>
+      </p:ext>
+    </p:extLst>
+  </p:cSld>
+  <p:clrMapOvr>
+    <a:masterClrMapping/>
+  </p:clrMapOvr>
+</p:sld>
+</file>
+
 <file path=ppt/theme/theme1.xml><?xml version="1.0" encoding="utf-8"?>
 <a:theme xmlns:a="http://schemas.openxmlformats.org/drawingml/2006/main" name="Master">
   <a:themeElements>
